--- a/chapter_06/figures/optuna_parameters_importance_gradient_boosting_lightgbm.pptx
+++ b/chapter_06/figures/optuna_parameters_importance_gradient_boosting_lightgbm.pptx
@@ -115,8 +115,7 @@
 <file path=ppt/revisionInfo.xml><?xml version="1.0" encoding="utf-8"?>
 <p1510:revInfo xmlns:a="http://schemas.openxmlformats.org/drawingml/2006/main" xmlns:r="http://schemas.openxmlformats.org/officeDocument/2006/relationships" xmlns:p1510="http://schemas.microsoft.com/office/powerpoint/2015/10/main">
   <p1510:revLst>
-    <p1510:client id="{19698738-8B30-4641-92DF-503FDCF97601}" v="52" dt="2025-07-03T12:06:33.727"/>
-    <p1510:client id="{2F1B825C-ADF6-458B-BD90-C6378241C558}" v="29" dt="2025-07-03T15:51:47.028"/>
+    <p1510:client id="{0B6FC1BF-97EB-4A3E-8A1C-B0B7AB583F53}" v="7" dt="2025-07-04T19:44:59.226"/>
   </p1510:revLst>
 </p1510:revInfo>
 </file>
@@ -125,8 +124,8 @@
 <pc:chgInfo xmlns:a="http://schemas.openxmlformats.org/drawingml/2006/main" xmlns:r="http://schemas.openxmlformats.org/officeDocument/2006/relationships" xmlns:ac="http://schemas.microsoft.com/office/drawing/2013/main/command" xmlns:pc="http://schemas.microsoft.com/office/powerpoint/2013/main/command">
   <pc:docChgLst>
     <pc:chgData name="Fatima Pillosu" userId="a6295d4dc9e22643" providerId="LiveId" clId="{0B6FC1BF-97EB-4A3E-8A1C-B0B7AB583F53}"/>
-    <pc:docChg chg="delSld modSld">
-      <pc:chgData name="Fatima Pillosu" userId="a6295d4dc9e22643" providerId="LiveId" clId="{0B6FC1BF-97EB-4A3E-8A1C-B0B7AB583F53}" dt="2025-07-03T16:01:49.192" v="4" actId="1036"/>
+    <pc:docChg chg="undo custSel delSld modSld">
+      <pc:chgData name="Fatima Pillosu" userId="a6295d4dc9e22643" providerId="LiveId" clId="{0B6FC1BF-97EB-4A3E-8A1C-B0B7AB583F53}" dt="2025-07-04T19:52:53.230" v="73" actId="20577"/>
       <pc:docMkLst>
         <pc:docMk/>
       </pc:docMkLst>
@@ -144,20 +143,292 @@
           <pc:sldMk cId="1450572231" sldId="257"/>
         </pc:sldMkLst>
       </pc:sldChg>
-      <pc:sldChg chg="modSp mod">
-        <pc:chgData name="Fatima Pillosu" userId="a6295d4dc9e22643" providerId="LiveId" clId="{0B6FC1BF-97EB-4A3E-8A1C-B0B7AB583F53}" dt="2025-07-03T16:01:49.192" v="4" actId="1036"/>
+      <pc:sldChg chg="addSp delSp modSp mod">
+        <pc:chgData name="Fatima Pillosu" userId="a6295d4dc9e22643" providerId="LiveId" clId="{0B6FC1BF-97EB-4A3E-8A1C-B0B7AB583F53}" dt="2025-07-04T19:52:53.230" v="73" actId="20577"/>
         <pc:sldMkLst>
           <pc:docMk/>
           <pc:sldMk cId="3812011166" sldId="258"/>
         </pc:sldMkLst>
-        <pc:spChg chg="mod">
-          <ac:chgData name="Fatima Pillosu" userId="a6295d4dc9e22643" providerId="LiveId" clId="{0B6FC1BF-97EB-4A3E-8A1C-B0B7AB583F53}" dt="2025-07-03T16:01:49.192" v="4" actId="1036"/>
+        <pc:spChg chg="add mod">
+          <ac:chgData name="Fatima Pillosu" userId="a6295d4dc9e22643" providerId="LiveId" clId="{0B6FC1BF-97EB-4A3E-8A1C-B0B7AB583F53}" dt="2025-07-04T19:52:53.230" v="73" actId="20577"/>
+          <ac:spMkLst>
+            <pc:docMk/>
+            <pc:sldMk cId="3812011166" sldId="258"/>
+            <ac:spMk id="14" creationId="{DF91B88E-62A4-6EB7-4E0C-1009E992D18D}"/>
+          </ac:spMkLst>
+        </pc:spChg>
+        <pc:spChg chg="add mod">
+          <ac:chgData name="Fatima Pillosu" userId="a6295d4dc9e22643" providerId="LiveId" clId="{0B6FC1BF-97EB-4A3E-8A1C-B0B7AB583F53}" dt="2025-07-04T19:44:59.226" v="36"/>
+          <ac:spMkLst>
+            <pc:docMk/>
+            <pc:sldMk cId="3812011166" sldId="258"/>
+            <ac:spMk id="15" creationId="{B6A0CAE6-8737-66B1-2223-11BF74A52BC8}"/>
+          </ac:spMkLst>
+        </pc:spChg>
+        <pc:spChg chg="add mod">
+          <ac:chgData name="Fatima Pillosu" userId="a6295d4dc9e22643" providerId="LiveId" clId="{0B6FC1BF-97EB-4A3E-8A1C-B0B7AB583F53}" dt="2025-07-04T19:44:59.226" v="36"/>
+          <ac:spMkLst>
+            <pc:docMk/>
+            <pc:sldMk cId="3812011166" sldId="258"/>
+            <ac:spMk id="16" creationId="{BC3529DB-6D3A-368E-D56B-CA1B851BE8E8}"/>
+          </ac:spMkLst>
+        </pc:spChg>
+        <pc:spChg chg="add mod">
+          <ac:chgData name="Fatima Pillosu" userId="a6295d4dc9e22643" providerId="LiveId" clId="{0B6FC1BF-97EB-4A3E-8A1C-B0B7AB583F53}" dt="2025-07-04T19:44:59.226" v="36"/>
+          <ac:spMkLst>
+            <pc:docMk/>
+            <pc:sldMk cId="3812011166" sldId="258"/>
+            <ac:spMk id="17" creationId="{1027FA09-A225-34B5-5AEE-811B19D697C0}"/>
+          </ac:spMkLst>
+        </pc:spChg>
+        <pc:spChg chg="add mod">
+          <ac:chgData name="Fatima Pillosu" userId="a6295d4dc9e22643" providerId="LiveId" clId="{0B6FC1BF-97EB-4A3E-8A1C-B0B7AB583F53}" dt="2025-07-04T19:44:59.226" v="36"/>
+          <ac:spMkLst>
+            <pc:docMk/>
+            <pc:sldMk cId="3812011166" sldId="258"/>
+            <ac:spMk id="18" creationId="{D7B821E3-FE64-378D-40B9-AE52FAA847F7}"/>
+          </ac:spMkLst>
+        </pc:spChg>
+        <pc:spChg chg="add mod">
+          <ac:chgData name="Fatima Pillosu" userId="a6295d4dc9e22643" providerId="LiveId" clId="{0B6FC1BF-97EB-4A3E-8A1C-B0B7AB583F53}" dt="2025-07-04T19:44:59.226" v="36"/>
+          <ac:spMkLst>
+            <pc:docMk/>
+            <pc:sldMk cId="3812011166" sldId="258"/>
+            <ac:spMk id="19" creationId="{A225A22C-B19B-9F69-EF56-9511CD744606}"/>
+          </ac:spMkLst>
+        </pc:spChg>
+        <pc:spChg chg="add mod">
+          <ac:chgData name="Fatima Pillosu" userId="a6295d4dc9e22643" providerId="LiveId" clId="{0B6FC1BF-97EB-4A3E-8A1C-B0B7AB583F53}" dt="2025-07-04T19:44:59.226" v="36"/>
+          <ac:spMkLst>
+            <pc:docMk/>
+            <pc:sldMk cId="3812011166" sldId="258"/>
+            <ac:spMk id="20" creationId="{DBD598EE-1197-B317-10D8-7E5FF9AFA529}"/>
+          </ac:spMkLst>
+        </pc:spChg>
+        <pc:spChg chg="add mod">
+          <ac:chgData name="Fatima Pillosu" userId="a6295d4dc9e22643" providerId="LiveId" clId="{0B6FC1BF-97EB-4A3E-8A1C-B0B7AB583F53}" dt="2025-07-04T19:44:59.226" v="36"/>
+          <ac:spMkLst>
+            <pc:docMk/>
+            <pc:sldMk cId="3812011166" sldId="258"/>
+            <ac:spMk id="21" creationId="{610BB3CF-A785-5AF4-E1BD-89ACDCF1093E}"/>
+          </ac:spMkLst>
+        </pc:spChg>
+        <pc:spChg chg="add mod">
+          <ac:chgData name="Fatima Pillosu" userId="a6295d4dc9e22643" providerId="LiveId" clId="{0B6FC1BF-97EB-4A3E-8A1C-B0B7AB583F53}" dt="2025-07-04T19:44:59.226" v="36"/>
+          <ac:spMkLst>
+            <pc:docMk/>
+            <pc:sldMk cId="3812011166" sldId="258"/>
+            <ac:spMk id="22" creationId="{AB6C9926-935B-0638-70DC-0EB16DC80245}"/>
+          </ac:spMkLst>
+        </pc:spChg>
+        <pc:spChg chg="del mod">
+          <ac:chgData name="Fatima Pillosu" userId="a6295d4dc9e22643" providerId="LiveId" clId="{0B6FC1BF-97EB-4A3E-8A1C-B0B7AB583F53}" dt="2025-07-04T19:44:52.296" v="34" actId="478"/>
           <ac:spMkLst>
             <pc:docMk/>
             <pc:sldMk cId="3812011166" sldId="258"/>
             <ac:spMk id="24" creationId="{7CA80247-944D-A79D-DD75-278A2FC157C4}"/>
           </ac:spMkLst>
         </pc:spChg>
+        <pc:spChg chg="del">
+          <ac:chgData name="Fatima Pillosu" userId="a6295d4dc9e22643" providerId="LiveId" clId="{0B6FC1BF-97EB-4A3E-8A1C-B0B7AB583F53}" dt="2025-07-04T19:44:53.572" v="35" actId="478"/>
+          <ac:spMkLst>
+            <pc:docMk/>
+            <pc:sldMk cId="3812011166" sldId="258"/>
+            <ac:spMk id="25" creationId="{11D0BEA8-4C97-735F-B454-B20FE6FD6664}"/>
+          </ac:spMkLst>
+        </pc:spChg>
+        <pc:spChg chg="del">
+          <ac:chgData name="Fatima Pillosu" userId="a6295d4dc9e22643" providerId="LiveId" clId="{0B6FC1BF-97EB-4A3E-8A1C-B0B7AB583F53}" dt="2025-07-04T19:44:53.572" v="35" actId="478"/>
+          <ac:spMkLst>
+            <pc:docMk/>
+            <pc:sldMk cId="3812011166" sldId="258"/>
+            <ac:spMk id="26" creationId="{C958D7B8-BC29-7508-F405-77D6128B8AFF}"/>
+          </ac:spMkLst>
+        </pc:spChg>
+        <pc:spChg chg="add mod">
+          <ac:chgData name="Fatima Pillosu" userId="a6295d4dc9e22643" providerId="LiveId" clId="{0B6FC1BF-97EB-4A3E-8A1C-B0B7AB583F53}" dt="2025-07-04T19:44:59.226" v="36"/>
+          <ac:spMkLst>
+            <pc:docMk/>
+            <pc:sldMk cId="3812011166" sldId="258"/>
+            <ac:spMk id="29" creationId="{39B1D637-8BF7-0716-6E6C-BC3351738D81}"/>
+          </ac:spMkLst>
+        </pc:spChg>
+        <pc:spChg chg="add mod">
+          <ac:chgData name="Fatima Pillosu" userId="a6295d4dc9e22643" providerId="LiveId" clId="{0B6FC1BF-97EB-4A3E-8A1C-B0B7AB583F53}" dt="2025-07-04T19:44:59.226" v="36"/>
+          <ac:spMkLst>
+            <pc:docMk/>
+            <pc:sldMk cId="3812011166" sldId="258"/>
+            <ac:spMk id="30" creationId="{5FB252D2-394F-461C-1FBE-F1C66129CA46}"/>
+          </ac:spMkLst>
+        </pc:spChg>
+        <pc:spChg chg="del">
+          <ac:chgData name="Fatima Pillosu" userId="a6295d4dc9e22643" providerId="LiveId" clId="{0B6FC1BF-97EB-4A3E-8A1C-B0B7AB583F53}" dt="2025-07-04T19:44:52.296" v="34" actId="478"/>
+          <ac:spMkLst>
+            <pc:docMk/>
+            <pc:sldMk cId="3812011166" sldId="258"/>
+            <ac:spMk id="31" creationId="{204795FA-B9E8-F8C0-D0CC-0DA8FCD26B47}"/>
+          </ac:spMkLst>
+        </pc:spChg>
+        <pc:spChg chg="del">
+          <ac:chgData name="Fatima Pillosu" userId="a6295d4dc9e22643" providerId="LiveId" clId="{0B6FC1BF-97EB-4A3E-8A1C-B0B7AB583F53}" dt="2025-07-04T19:44:52.296" v="34" actId="478"/>
+          <ac:spMkLst>
+            <pc:docMk/>
+            <pc:sldMk cId="3812011166" sldId="258"/>
+            <ac:spMk id="32" creationId="{AEF58A4C-D7E5-1DB7-8CBA-638A2D2BAD88}"/>
+          </ac:spMkLst>
+        </pc:spChg>
+        <pc:picChg chg="add mod">
+          <ac:chgData name="Fatima Pillosu" userId="a6295d4dc9e22643" providerId="LiveId" clId="{0B6FC1BF-97EB-4A3E-8A1C-B0B7AB583F53}" dt="2025-07-04T19:44:34.698" v="32" actId="571"/>
+          <ac:picMkLst>
+            <pc:docMk/>
+            <pc:sldMk cId="3812011166" sldId="258"/>
+            <ac:picMk id="2" creationId="{4410D3F2-7440-20F8-134A-0D5486AB5876}"/>
+          </ac:picMkLst>
+        </pc:picChg>
+        <pc:picChg chg="add mod">
+          <ac:chgData name="Fatima Pillosu" userId="a6295d4dc9e22643" providerId="LiveId" clId="{0B6FC1BF-97EB-4A3E-8A1C-B0B7AB583F53}" dt="2025-07-04T19:44:34.698" v="32" actId="571"/>
+          <ac:picMkLst>
+            <pc:docMk/>
+            <pc:sldMk cId="3812011166" sldId="258"/>
+            <ac:picMk id="3" creationId="{0C244710-7978-019E-A5CE-0DE47E026856}"/>
+          </ac:picMkLst>
+        </pc:picChg>
+        <pc:picChg chg="del mod">
+          <ac:chgData name="Fatima Pillosu" userId="a6295d4dc9e22643" providerId="LiveId" clId="{0B6FC1BF-97EB-4A3E-8A1C-B0B7AB583F53}" dt="2025-07-04T14:24:23.910" v="30" actId="478"/>
+          <ac:picMkLst>
+            <pc:docMk/>
+            <pc:sldMk cId="3812011166" sldId="258"/>
+            <ac:picMk id="3" creationId="{B78FE783-F786-A3E1-A853-DEE8F298B095}"/>
+          </ac:picMkLst>
+        </pc:picChg>
+        <pc:picChg chg="add del mod ord">
+          <ac:chgData name="Fatima Pillosu" userId="a6295d4dc9e22643" providerId="LiveId" clId="{0B6FC1BF-97EB-4A3E-8A1C-B0B7AB583F53}" dt="2025-07-04T19:45:39.627" v="48" actId="553"/>
+          <ac:picMkLst>
+            <pc:docMk/>
+            <pc:sldMk cId="3812011166" sldId="258"/>
+            <ac:picMk id="4" creationId="{B726992E-7283-7C01-A45F-1E0D25BE16E1}"/>
+          </ac:picMkLst>
+        </pc:picChg>
+        <pc:picChg chg="add mod">
+          <ac:chgData name="Fatima Pillosu" userId="a6295d4dc9e22643" providerId="LiveId" clId="{0B6FC1BF-97EB-4A3E-8A1C-B0B7AB583F53}" dt="2025-07-04T19:44:34.698" v="32" actId="571"/>
+          <ac:picMkLst>
+            <pc:docMk/>
+            <pc:sldMk cId="3812011166" sldId="258"/>
+            <ac:picMk id="5" creationId="{E2FFDC63-AD54-220D-3C4B-22C48D12A674}"/>
+          </ac:picMkLst>
+        </pc:picChg>
+        <pc:picChg chg="del mod">
+          <ac:chgData name="Fatima Pillosu" userId="a6295d4dc9e22643" providerId="LiveId" clId="{0B6FC1BF-97EB-4A3E-8A1C-B0B7AB583F53}" dt="2025-07-04T14:24:23.910" v="30" actId="478"/>
+          <ac:picMkLst>
+            <pc:docMk/>
+            <pc:sldMk cId="3812011166" sldId="258"/>
+            <ac:picMk id="5" creationId="{F1143837-C90E-EE65-C3AC-2938131BB09C}"/>
+          </ac:picMkLst>
+        </pc:picChg>
+        <pc:picChg chg="add mod">
+          <ac:chgData name="Fatima Pillosu" userId="a6295d4dc9e22643" providerId="LiveId" clId="{0B6FC1BF-97EB-4A3E-8A1C-B0B7AB583F53}" dt="2025-07-04T19:44:34.698" v="32" actId="571"/>
+          <ac:picMkLst>
+            <pc:docMk/>
+            <pc:sldMk cId="3812011166" sldId="258"/>
+            <ac:picMk id="6" creationId="{AF2F7439-BD13-8D3C-6D03-6322BAFFC05E}"/>
+          </ac:picMkLst>
+        </pc:picChg>
+        <pc:picChg chg="add del mod">
+          <ac:chgData name="Fatima Pillosu" userId="a6295d4dc9e22643" providerId="LiveId" clId="{0B6FC1BF-97EB-4A3E-8A1C-B0B7AB583F53}" dt="2025-07-04T19:45:23.669" v="43" actId="478"/>
+          <ac:picMkLst>
+            <pc:docMk/>
+            <pc:sldMk cId="3812011166" sldId="258"/>
+            <ac:picMk id="7" creationId="{A73E9FC6-264C-B2FA-2997-75F9601C07A9}"/>
+          </ac:picMkLst>
+        </pc:picChg>
+        <pc:picChg chg="del mod">
+          <ac:chgData name="Fatima Pillosu" userId="a6295d4dc9e22643" providerId="LiveId" clId="{0B6FC1BF-97EB-4A3E-8A1C-B0B7AB583F53}" dt="2025-07-04T14:24:23.910" v="30" actId="478"/>
+          <ac:picMkLst>
+            <pc:docMk/>
+            <pc:sldMk cId="3812011166" sldId="258"/>
+            <ac:picMk id="7" creationId="{DBE6C627-F28E-701B-3520-FF6E9AB611E3}"/>
+          </ac:picMkLst>
+        </pc:picChg>
+        <pc:picChg chg="add mod ord">
+          <ac:chgData name="Fatima Pillosu" userId="a6295d4dc9e22643" providerId="LiveId" clId="{0B6FC1BF-97EB-4A3E-8A1C-B0B7AB583F53}" dt="2025-07-04T19:45:34.715" v="47" actId="553"/>
+          <ac:picMkLst>
+            <pc:docMk/>
+            <pc:sldMk cId="3812011166" sldId="258"/>
+            <ac:picMk id="8" creationId="{36FE5C24-AD55-D536-B636-FB1F9D56B1F7}"/>
+          </ac:picMkLst>
+        </pc:picChg>
+        <pc:picChg chg="del mod">
+          <ac:chgData name="Fatima Pillosu" userId="a6295d4dc9e22643" providerId="LiveId" clId="{0B6FC1BF-97EB-4A3E-8A1C-B0B7AB583F53}" dt="2025-07-04T14:24:23.910" v="30" actId="478"/>
+          <ac:picMkLst>
+            <pc:docMk/>
+            <pc:sldMk cId="3812011166" sldId="258"/>
+            <ac:picMk id="9" creationId="{BC38BCD3-7D33-CC24-FE32-52C4DDF74250}"/>
+          </ac:picMkLst>
+        </pc:picChg>
+        <pc:picChg chg="add del mod">
+          <ac:chgData name="Fatima Pillosu" userId="a6295d4dc9e22643" providerId="LiveId" clId="{0B6FC1BF-97EB-4A3E-8A1C-B0B7AB583F53}" dt="2025-07-04T19:45:25.071" v="45" actId="478"/>
+          <ac:picMkLst>
+            <pc:docMk/>
+            <pc:sldMk cId="3812011166" sldId="258"/>
+            <ac:picMk id="9" creationId="{C89A5A17-79DC-4661-9DEA-565A32A426B1}"/>
+          </ac:picMkLst>
+        </pc:picChg>
+        <pc:picChg chg="add del mod">
+          <ac:chgData name="Fatima Pillosu" userId="a6295d4dc9e22643" providerId="LiveId" clId="{0B6FC1BF-97EB-4A3E-8A1C-B0B7AB583F53}" dt="2025-07-04T19:45:24.300" v="44" actId="478"/>
+          <ac:picMkLst>
+            <pc:docMk/>
+            <pc:sldMk cId="3812011166" sldId="258"/>
+            <ac:picMk id="10" creationId="{8CD410CC-FECA-F4EF-6C62-7E7524D6CC78}"/>
+          </ac:picMkLst>
+        </pc:picChg>
+        <pc:picChg chg="add mod ord">
+          <ac:chgData name="Fatima Pillosu" userId="a6295d4dc9e22643" providerId="LiveId" clId="{0B6FC1BF-97EB-4A3E-8A1C-B0B7AB583F53}" dt="2025-07-04T19:45:50.238" v="65" actId="1035"/>
+          <ac:picMkLst>
+            <pc:docMk/>
+            <pc:sldMk cId="3812011166" sldId="258"/>
+            <ac:picMk id="11" creationId="{6376F9A8-CF50-FBD4-5E5B-D413CABF037F}"/>
+          </ac:picMkLst>
+        </pc:picChg>
+        <pc:picChg chg="add del mod">
+          <ac:chgData name="Fatima Pillosu" userId="a6295d4dc9e22643" providerId="LiveId" clId="{0B6FC1BF-97EB-4A3E-8A1C-B0B7AB583F53}" dt="2025-07-04T19:45:25.617" v="46" actId="478"/>
+          <ac:picMkLst>
+            <pc:docMk/>
+            <pc:sldMk cId="3812011166" sldId="258"/>
+            <ac:picMk id="12" creationId="{FB2DB19B-9E01-32B1-30EB-CA5203CB85C5}"/>
+          </ac:picMkLst>
+        </pc:picChg>
+        <pc:picChg chg="add mod ord">
+          <ac:chgData name="Fatima Pillosu" userId="a6295d4dc9e22643" providerId="LiveId" clId="{0B6FC1BF-97EB-4A3E-8A1C-B0B7AB583F53}" dt="2025-07-04T19:45:50.238" v="65" actId="1035"/>
+          <ac:picMkLst>
+            <pc:docMk/>
+            <pc:sldMk cId="3812011166" sldId="258"/>
+            <ac:picMk id="13" creationId="{23F611F7-87A0-C1F0-3897-70642E3ED4B0}"/>
+          </ac:picMkLst>
+        </pc:picChg>
+        <pc:cxnChg chg="add mod">
+          <ac:chgData name="Fatima Pillosu" userId="a6295d4dc9e22643" providerId="LiveId" clId="{0B6FC1BF-97EB-4A3E-8A1C-B0B7AB583F53}" dt="2025-07-04T19:44:59.226" v="36"/>
+          <ac:cxnSpMkLst>
+            <pc:docMk/>
+            <pc:sldMk cId="3812011166" sldId="258"/>
+            <ac:cxnSpMk id="23" creationId="{45E599F1-F016-F479-538B-BC35C75C0874}"/>
+          </ac:cxnSpMkLst>
+        </pc:cxnChg>
+        <pc:cxnChg chg="add mod">
+          <ac:chgData name="Fatima Pillosu" userId="a6295d4dc9e22643" providerId="LiveId" clId="{0B6FC1BF-97EB-4A3E-8A1C-B0B7AB583F53}" dt="2025-07-04T19:44:59.226" v="36"/>
+          <ac:cxnSpMkLst>
+            <pc:docMk/>
+            <pc:sldMk cId="3812011166" sldId="258"/>
+            <ac:cxnSpMk id="27" creationId="{A641AD26-AF47-2290-24F8-0F768A5BE743}"/>
+          </ac:cxnSpMkLst>
+        </pc:cxnChg>
+        <pc:cxnChg chg="add mod">
+          <ac:chgData name="Fatima Pillosu" userId="a6295d4dc9e22643" providerId="LiveId" clId="{0B6FC1BF-97EB-4A3E-8A1C-B0B7AB583F53}" dt="2025-07-04T19:44:59.226" v="36"/>
+          <ac:cxnSpMkLst>
+            <pc:docMk/>
+            <pc:sldMk cId="3812011166" sldId="258"/>
+            <ac:cxnSpMk id="28" creationId="{26F9B194-14DC-7E9E-EE9B-3819B6A5AF2C}"/>
+          </ac:cxnSpMkLst>
+        </pc:cxnChg>
       </pc:sldChg>
       <pc:sldChg chg="del">
         <pc:chgData name="Fatima Pillosu" userId="a6295d4dc9e22643" providerId="LiveId" clId="{0B6FC1BF-97EB-4A3E-8A1C-B0B7AB583F53}" dt="2025-07-03T16:01:29.487" v="1" actId="47"/>
@@ -6400,7 +6671,7 @@
           <a:p>
             <a:fld id="{F0820250-0589-45C6-A87F-3E34BBC48915}" type="datetimeFigureOut">
               <a:rPr lang="en-GB" smtClean="0"/>
-              <a:t>03/07/2025</a:t>
+              <a:t>04/07/2025</a:t>
             </a:fld>
             <a:endParaRPr lang="en-GB"/>
           </a:p>
@@ -6570,7 +6841,7 @@
           <a:p>
             <a:fld id="{F0820250-0589-45C6-A87F-3E34BBC48915}" type="datetimeFigureOut">
               <a:rPr lang="en-GB" smtClean="0"/>
-              <a:t>03/07/2025</a:t>
+              <a:t>04/07/2025</a:t>
             </a:fld>
             <a:endParaRPr lang="en-GB"/>
           </a:p>
@@ -6750,7 +7021,7 @@
           <a:p>
             <a:fld id="{F0820250-0589-45C6-A87F-3E34BBC48915}" type="datetimeFigureOut">
               <a:rPr lang="en-GB" smtClean="0"/>
-              <a:t>03/07/2025</a:t>
+              <a:t>04/07/2025</a:t>
             </a:fld>
             <a:endParaRPr lang="en-GB"/>
           </a:p>
@@ -6920,7 +7191,7 @@
           <a:p>
             <a:fld id="{F0820250-0589-45C6-A87F-3E34BBC48915}" type="datetimeFigureOut">
               <a:rPr lang="en-GB" smtClean="0"/>
-              <a:t>03/07/2025</a:t>
+              <a:t>04/07/2025</a:t>
             </a:fld>
             <a:endParaRPr lang="en-GB"/>
           </a:p>
@@ -7166,7 +7437,7 @@
           <a:p>
             <a:fld id="{F0820250-0589-45C6-A87F-3E34BBC48915}" type="datetimeFigureOut">
               <a:rPr lang="en-GB" smtClean="0"/>
-              <a:t>03/07/2025</a:t>
+              <a:t>04/07/2025</a:t>
             </a:fld>
             <a:endParaRPr lang="en-GB"/>
           </a:p>
@@ -7398,7 +7669,7 @@
           <a:p>
             <a:fld id="{F0820250-0589-45C6-A87F-3E34BBC48915}" type="datetimeFigureOut">
               <a:rPr lang="en-GB" smtClean="0"/>
-              <a:t>03/07/2025</a:t>
+              <a:t>04/07/2025</a:t>
             </a:fld>
             <a:endParaRPr lang="en-GB"/>
           </a:p>
@@ -7765,7 +8036,7 @@
           <a:p>
             <a:fld id="{F0820250-0589-45C6-A87F-3E34BBC48915}" type="datetimeFigureOut">
               <a:rPr lang="en-GB" smtClean="0"/>
-              <a:t>03/07/2025</a:t>
+              <a:t>04/07/2025</a:t>
             </a:fld>
             <a:endParaRPr lang="en-GB"/>
           </a:p>
@@ -7883,7 +8154,7 @@
           <a:p>
             <a:fld id="{F0820250-0589-45C6-A87F-3E34BBC48915}" type="datetimeFigureOut">
               <a:rPr lang="en-GB" smtClean="0"/>
-              <a:t>03/07/2025</a:t>
+              <a:t>04/07/2025</a:t>
             </a:fld>
             <a:endParaRPr lang="en-GB"/>
           </a:p>
@@ -7978,7 +8249,7 @@
           <a:p>
             <a:fld id="{F0820250-0589-45C6-A87F-3E34BBC48915}" type="datetimeFigureOut">
               <a:rPr lang="en-GB" smtClean="0"/>
-              <a:t>03/07/2025</a:t>
+              <a:t>04/07/2025</a:t>
             </a:fld>
             <a:endParaRPr lang="en-GB"/>
           </a:p>
@@ -8255,7 +8526,7 @@
           <a:p>
             <a:fld id="{F0820250-0589-45C6-A87F-3E34BBC48915}" type="datetimeFigureOut">
               <a:rPr lang="en-GB" smtClean="0"/>
-              <a:t>03/07/2025</a:t>
+              <a:t>04/07/2025</a:t>
             </a:fld>
             <a:endParaRPr lang="en-GB"/>
           </a:p>
@@ -8512,7 +8783,7 @@
           <a:p>
             <a:fld id="{F0820250-0589-45C6-A87F-3E34BBC48915}" type="datetimeFigureOut">
               <a:rPr lang="en-GB" smtClean="0"/>
-              <a:t>03/07/2025</a:t>
+              <a:t>04/07/2025</a:t>
             </a:fld>
             <a:endParaRPr lang="en-GB"/>
           </a:p>
@@ -8725,7 +8996,7 @@
           <a:p>
             <a:fld id="{F0820250-0589-45C6-A87F-3E34BBC48915}" type="datetimeFigureOut">
               <a:rPr lang="en-GB" smtClean="0"/>
-              <a:t>03/07/2025</a:t>
+              <a:t>04/07/2025</a:t>
             </a:fld>
             <a:endParaRPr lang="en-GB"/>
           </a:p>
@@ -9132,10 +9403,10 @@
       </p:grpSpPr>
       <p:pic>
         <p:nvPicPr>
-          <p:cNvPr id="3" name="Picture 2" descr="A graph of a number of numbers&#10;&#10;AI-generated content may be incorrect.">
+          <p:cNvPr id="4" name="Picture 3" descr="A graph of a number of different numbers&#10;&#10;AI-generated content may be incorrect.">
             <a:extLst>
               <a:ext uri="{FF2B5EF4-FFF2-40B4-BE49-F238E27FC236}">
-                <a16:creationId xmlns:a16="http://schemas.microsoft.com/office/drawing/2014/main" id="{B78FE783-F786-A3E1-A853-DEE8F298B095}"/>
+                <a16:creationId xmlns:a16="http://schemas.microsoft.com/office/drawing/2014/main" id="{B726992E-7283-7C01-A45F-1E0D25BE16E1}"/>
               </a:ext>
             </a:extLst>
           </p:cNvPr>
@@ -9158,8 +9429,8 @@
         </p:blipFill>
         <p:spPr>
           <a:xfrm>
-            <a:off x="301240" y="477863"/>
-            <a:ext cx="2025000" cy="1620000"/>
+            <a:off x="301240" y="963471"/>
+            <a:ext cx="1800000" cy="1440000"/>
           </a:xfrm>
           <a:prstGeom prst="rect">
             <a:avLst/>
@@ -9168,10 +9439,10 @@
       </p:pic>
       <p:pic>
         <p:nvPicPr>
-          <p:cNvPr id="5" name="Picture 4" descr="A graph of a number of numbers&#10;&#10;AI-generated content may be incorrect.">
+          <p:cNvPr id="8" name="Picture 7" descr="A graph of a number of different colored squares&#10;&#10;AI-generated content may be incorrect.">
             <a:extLst>
               <a:ext uri="{FF2B5EF4-FFF2-40B4-BE49-F238E27FC236}">
-                <a16:creationId xmlns:a16="http://schemas.microsoft.com/office/drawing/2014/main" id="{F1143837-C90E-EE65-C3AC-2938131BB09C}"/>
+                <a16:creationId xmlns:a16="http://schemas.microsoft.com/office/drawing/2014/main" id="{36FE5C24-AD55-D536-B636-FB1F9D56B1F7}"/>
               </a:ext>
             </a:extLst>
           </p:cNvPr>
@@ -9194,8 +9465,8 @@
         </p:blipFill>
         <p:spPr>
           <a:xfrm>
-            <a:off x="2295035" y="477863"/>
-            <a:ext cx="2025000" cy="1620000"/>
+            <a:off x="2456960" y="963471"/>
+            <a:ext cx="1800000" cy="1440000"/>
           </a:xfrm>
           <a:prstGeom prst="rect">
             <a:avLst/>
@@ -9204,10 +9475,10 @@
       </p:pic>
       <p:pic>
         <p:nvPicPr>
-          <p:cNvPr id="7" name="Picture 6" descr="A graph of a number of objects&#10;&#10;AI-generated content may be incorrect.">
+          <p:cNvPr id="11" name="Picture 10" descr="A graph of a number of people&#10;&#10;AI-generated content may be incorrect.">
             <a:extLst>
               <a:ext uri="{FF2B5EF4-FFF2-40B4-BE49-F238E27FC236}">
-                <a16:creationId xmlns:a16="http://schemas.microsoft.com/office/drawing/2014/main" id="{DBE6C627-F28E-701B-3520-FF6E9AB611E3}"/>
+                <a16:creationId xmlns:a16="http://schemas.microsoft.com/office/drawing/2014/main" id="{6376F9A8-CF50-FBD4-5E5B-D413CABF037F}"/>
               </a:ext>
             </a:extLst>
           </p:cNvPr>
@@ -9230,8 +9501,8 @@
         </p:blipFill>
         <p:spPr>
           <a:xfrm>
-            <a:off x="301240" y="2047181"/>
-            <a:ext cx="2025000" cy="1620000"/>
+            <a:off x="301240" y="2247206"/>
+            <a:ext cx="1800000" cy="1440000"/>
           </a:xfrm>
           <a:prstGeom prst="rect">
             <a:avLst/>
@@ -9240,10 +9511,10 @@
       </p:pic>
       <p:pic>
         <p:nvPicPr>
-          <p:cNvPr id="9" name="Picture 8" descr="A graph of a number of objects&#10;&#10;AI-generated content may be incorrect.">
+          <p:cNvPr id="13" name="Picture 12" descr="A graph of a number of different types of numbers&#10;&#10;AI-generated content may be incorrect.">
             <a:extLst>
               <a:ext uri="{FF2B5EF4-FFF2-40B4-BE49-F238E27FC236}">
-                <a16:creationId xmlns:a16="http://schemas.microsoft.com/office/drawing/2014/main" id="{BC38BCD3-7D33-CC24-FE32-52C4DDF74250}"/>
+                <a16:creationId xmlns:a16="http://schemas.microsoft.com/office/drawing/2014/main" id="{23F611F7-87A0-C1F0-3897-70642E3ED4B0}"/>
               </a:ext>
             </a:extLst>
           </p:cNvPr>
@@ -9266,8 +9537,8 @@
         </p:blipFill>
         <p:spPr>
           <a:xfrm>
-            <a:off x="2295035" y="2047181"/>
-            <a:ext cx="2025000" cy="1620000"/>
+            <a:off x="2456960" y="2247206"/>
+            <a:ext cx="1800000" cy="1440000"/>
           </a:xfrm>
           <a:prstGeom prst="rect">
             <a:avLst/>
@@ -9276,10 +9547,10 @@
       </p:pic>
       <p:sp>
         <p:nvSpPr>
-          <p:cNvPr id="24" name="Rectangle 23">
+          <p:cNvPr id="14" name="Rectangle 13">
             <a:extLst>
               <a:ext uri="{FF2B5EF4-FFF2-40B4-BE49-F238E27FC236}">
-                <a16:creationId xmlns:a16="http://schemas.microsoft.com/office/drawing/2014/main" id="{7CA80247-944D-A79D-DD75-278A2FC157C4}"/>
+                <a16:creationId xmlns:a16="http://schemas.microsoft.com/office/drawing/2014/main" id="{DF91B88E-62A4-6EB7-4E0C-1009E992D18D}"/>
               </a:ext>
             </a:extLst>
           </p:cNvPr>
@@ -9320,7 +9591,7 @@
           <a:lstStyle/>
           <a:p>
             <a:r>
-              <a:rPr lang="en-GB" sz="1333" b="1" dirty="0">
+              <a:rPr lang="en-GB" sz="1200" b="1" dirty="0">
                 <a:solidFill>
                   <a:schemeClr val="tx1">
                     <a:lumMod val="75000"/>
@@ -9330,12 +9601,48 @@
                 <a:latin typeface="Calibri" panose="020F0502020204030204" pitchFamily="34" charset="0"/>
                 <a:cs typeface="Calibri" panose="020F0502020204030204" pitchFamily="34" charset="0"/>
               </a:rPr>
-              <a:t>Optuna hyperparameter importance</a:t>
+              <a:t>Optuna’s hyperparameter tuning – Hyperparameter importance</a:t>
             </a:r>
           </a:p>
           <a:p>
             <a:r>
-              <a:rPr lang="en-GB" sz="1111" dirty="0">
+              <a:rPr lang="en-GB" sz="1000" dirty="0">
+                <a:solidFill>
+                  <a:schemeClr val="tx1">
+                    <a:lumMod val="75000"/>
+                    <a:lumOff val="25000"/>
+                  </a:schemeClr>
+                </a:solidFill>
+                <a:latin typeface="Calibri Light" panose="020F0302020204030204" pitchFamily="34" charset="0"/>
+                <a:cs typeface="Calibri Light" panose="020F0302020204030204" pitchFamily="34" charset="0"/>
+              </a:rPr>
+              <a:t>Evaluated over the </a:t>
+            </a:r>
+            <a:r>
+              <a:rPr lang="en-GB" sz="1000" b="1" dirty="0">
+                <a:solidFill>
+                  <a:srgbClr val="FF0066"/>
+                </a:solidFill>
+                <a:latin typeface="Calibri" panose="020F0502020204030204" pitchFamily="34" charset="0"/>
+                <a:cs typeface="Calibri" panose="020F0502020204030204" pitchFamily="34" charset="0"/>
+              </a:rPr>
+              <a:t>inner training </a:t>
+            </a:r>
+            <a:r>
+              <a:rPr lang="en-GB" sz="1000" dirty="0">
+                <a:solidFill>
+                  <a:schemeClr val="tx1">
+                    <a:lumMod val="75000"/>
+                    <a:lumOff val="25000"/>
+                  </a:schemeClr>
+                </a:solidFill>
+                <a:latin typeface="Calibri Light" panose="020F0302020204030204" pitchFamily="34" charset="0"/>
+                <a:cs typeface="Calibri Light" panose="020F0302020204030204" pitchFamily="34" charset="0"/>
+              </a:rPr>
+              <a:t>datasets for </a:t>
+            </a:r>
+            <a:r>
+              <a:rPr lang="en-GB" sz="1000" u="sng" dirty="0">
                 <a:solidFill>
                   <a:schemeClr val="tx1">
                     <a:lumMod val="75000"/>
@@ -9352,10 +9659,10 @@
       </p:sp>
       <p:sp>
         <p:nvSpPr>
-          <p:cNvPr id="25" name="Rectangle 24">
+          <p:cNvPr id="15" name="Rectangle 14">
             <a:extLst>
               <a:ext uri="{FF2B5EF4-FFF2-40B4-BE49-F238E27FC236}">
-                <a16:creationId xmlns:a16="http://schemas.microsoft.com/office/drawing/2014/main" id="{11D0BEA8-4C97-735F-B454-B20FE6FD6664}"/>
+                <a16:creationId xmlns:a16="http://schemas.microsoft.com/office/drawing/2014/main" id="{B6A0CAE6-8737-66B1-2223-11BF74A52BC8}"/>
               </a:ext>
             </a:extLst>
           </p:cNvPr>
@@ -9364,8 +9671,8 @@
         </p:nvSpPr>
         <p:spPr>
           <a:xfrm>
-            <a:off x="-65904" y="560685"/>
-            <a:ext cx="360000" cy="1285103"/>
+            <a:off x="-65904" y="1019257"/>
+            <a:ext cx="360000" cy="1167935"/>
           </a:xfrm>
           <a:prstGeom prst="rect">
             <a:avLst/>
@@ -9440,10 +9747,10 @@
       </p:sp>
       <p:sp>
         <p:nvSpPr>
-          <p:cNvPr id="26" name="Rectangle 25">
+          <p:cNvPr id="16" name="Rectangle 15">
             <a:extLst>
               <a:ext uri="{FF2B5EF4-FFF2-40B4-BE49-F238E27FC236}">
-                <a16:creationId xmlns:a16="http://schemas.microsoft.com/office/drawing/2014/main" id="{C958D7B8-BC29-7508-F405-77D6128B8AFF}"/>
+                <a16:creationId xmlns:a16="http://schemas.microsoft.com/office/drawing/2014/main" id="{BC3529DB-6D3A-368E-D56B-CA1B851BE8E8}"/>
               </a:ext>
             </a:extLst>
           </p:cNvPr>
@@ -9452,8 +9759,8 @@
         </p:nvSpPr>
         <p:spPr>
           <a:xfrm>
-            <a:off x="-65904" y="2069288"/>
-            <a:ext cx="360000" cy="1345818"/>
+            <a:off x="-65904" y="2299485"/>
+            <a:ext cx="360000" cy="1167935"/>
           </a:xfrm>
           <a:prstGeom prst="rect">
             <a:avLst/>
@@ -9528,10 +9835,10 @@
       </p:sp>
       <p:sp>
         <p:nvSpPr>
-          <p:cNvPr id="31" name="Rectangle 30">
+          <p:cNvPr id="17" name="Rectangle 16">
             <a:extLst>
               <a:ext uri="{FF2B5EF4-FFF2-40B4-BE49-F238E27FC236}">
-                <a16:creationId xmlns:a16="http://schemas.microsoft.com/office/drawing/2014/main" id="{204795FA-B9E8-F8C0-D0CC-0DA8FCD26B47}"/>
+                <a16:creationId xmlns:a16="http://schemas.microsoft.com/office/drawing/2014/main" id="{1027FA09-A225-34B5-5AEE-811B19D697C0}"/>
               </a:ext>
             </a:extLst>
           </p:cNvPr>
@@ -9540,8 +9847,8 @@
         </p:nvSpPr>
         <p:spPr>
           <a:xfrm>
-            <a:off x="840259" y="353649"/>
-            <a:ext cx="1421770" cy="180000"/>
+            <a:off x="787179" y="830711"/>
+            <a:ext cx="1237375" cy="180000"/>
           </a:xfrm>
           <a:prstGeom prst="rect">
             <a:avLst/>
@@ -9600,10 +9907,10 @@
       </p:sp>
       <p:sp>
         <p:nvSpPr>
-          <p:cNvPr id="32" name="Rectangle 31">
+          <p:cNvPr id="18" name="Rectangle 17">
             <a:extLst>
               <a:ext uri="{FF2B5EF4-FFF2-40B4-BE49-F238E27FC236}">
-                <a16:creationId xmlns:a16="http://schemas.microsoft.com/office/drawing/2014/main" id="{AEF58A4C-D7E5-1DB7-8CBA-638A2D2BAD88}"/>
+                <a16:creationId xmlns:a16="http://schemas.microsoft.com/office/drawing/2014/main" id="{D7B821E3-FE64-378D-40B9-AE52FAA847F7}"/>
               </a:ext>
             </a:extLst>
           </p:cNvPr>
@@ -9612,8 +9919,8 @@
         </p:nvSpPr>
         <p:spPr>
           <a:xfrm>
-            <a:off x="2832306" y="355747"/>
-            <a:ext cx="1421771" cy="180000"/>
+            <a:off x="2882347" y="825794"/>
+            <a:ext cx="1302629" cy="177902"/>
           </a:xfrm>
           <a:prstGeom prst="rect">
             <a:avLst/>
@@ -9666,6 +9973,538 @@
               </a:solidFill>
               <a:latin typeface="Calibri" panose="020F0502020204030204" pitchFamily="34" charset="0"/>
               <a:cs typeface="Calibri" panose="020F0502020204030204" pitchFamily="34" charset="0"/>
+            </a:endParaRPr>
+          </a:p>
+        </p:txBody>
+      </p:sp>
+      <p:sp>
+        <p:nvSpPr>
+          <p:cNvPr id="19" name="Rectangle 18">
+            <a:extLst>
+              <a:ext uri="{FF2B5EF4-FFF2-40B4-BE49-F238E27FC236}">
+                <a16:creationId xmlns:a16="http://schemas.microsoft.com/office/drawing/2014/main" id="{A225A22C-B19B-9F69-EF56-9511CD744606}"/>
+              </a:ext>
+            </a:extLst>
+          </p:cNvPr>
+          <p:cNvSpPr/>
+          <p:nvPr/>
+        </p:nvSpPr>
+        <p:spPr>
+          <a:xfrm>
+            <a:off x="1600897" y="535468"/>
+            <a:ext cx="493980" cy="255919"/>
+          </a:xfrm>
+          <a:prstGeom prst="rect">
+            <a:avLst/>
+          </a:prstGeom>
+          <a:noFill/>
+          <a:ln w="3175">
+            <a:noFill/>
+          </a:ln>
+        </p:spPr>
+        <p:style>
+          <a:lnRef idx="2">
+            <a:schemeClr val="accent1">
+              <a:shade val="15000"/>
+            </a:schemeClr>
+          </a:lnRef>
+          <a:fillRef idx="1">
+            <a:schemeClr val="accent1"/>
+          </a:fillRef>
+          <a:effectRef idx="0">
+            <a:schemeClr val="accent1"/>
+          </a:effectRef>
+          <a:fontRef idx="minor">
+            <a:schemeClr val="lt1"/>
+          </a:fontRef>
+        </p:style>
+        <p:txBody>
+          <a:bodyPr rtlCol="0" anchor="ctr"/>
+          <a:lstStyle/>
+          <a:p>
+            <a:pPr algn="ctr"/>
+            <a:r>
+              <a:rPr lang="en-US" sz="800" dirty="0">
+                <a:solidFill>
+                  <a:schemeClr val="tx1">
+                    <a:lumMod val="75000"/>
+                    <a:lumOff val="25000"/>
+                  </a:schemeClr>
+                </a:solidFill>
+                <a:latin typeface="Calibri Light" panose="020F0302020204030204" pitchFamily="34" charset="0"/>
+                <a:cs typeface="Calibri Light" panose="020F0302020204030204" pitchFamily="34" charset="0"/>
+              </a:rPr>
+              <a:t>mean</a:t>
+            </a:r>
+            <a:endParaRPr lang="en-GB" sz="800" dirty="0">
+              <a:solidFill>
+                <a:schemeClr val="tx1">
+                  <a:lumMod val="75000"/>
+                  <a:lumOff val="25000"/>
+                </a:schemeClr>
+              </a:solidFill>
+              <a:latin typeface="Calibri Light" panose="020F0302020204030204" pitchFamily="34" charset="0"/>
+              <a:cs typeface="Calibri Light" panose="020F0302020204030204" pitchFamily="34" charset="0"/>
+            </a:endParaRPr>
+          </a:p>
+        </p:txBody>
+      </p:sp>
+      <p:sp>
+        <p:nvSpPr>
+          <p:cNvPr id="20" name="Rectangle 19">
+            <a:extLst>
+              <a:ext uri="{FF2B5EF4-FFF2-40B4-BE49-F238E27FC236}">
+                <a16:creationId xmlns:a16="http://schemas.microsoft.com/office/drawing/2014/main" id="{DBD598EE-1197-B317-10D8-7E5FF9AFA529}"/>
+              </a:ext>
+            </a:extLst>
+          </p:cNvPr>
+          <p:cNvSpPr/>
+          <p:nvPr/>
+        </p:nvSpPr>
+        <p:spPr>
+          <a:xfrm>
+            <a:off x="2357575" y="562591"/>
+            <a:ext cx="1003153" cy="185815"/>
+          </a:xfrm>
+          <a:prstGeom prst="rect">
+            <a:avLst/>
+          </a:prstGeom>
+          <a:noFill/>
+          <a:ln w="3175">
+            <a:noFill/>
+          </a:ln>
+        </p:spPr>
+        <p:style>
+          <a:lnRef idx="2">
+            <a:schemeClr val="accent1">
+              <a:shade val="15000"/>
+            </a:schemeClr>
+          </a:lnRef>
+          <a:fillRef idx="1">
+            <a:schemeClr val="accent1"/>
+          </a:fillRef>
+          <a:effectRef idx="0">
+            <a:schemeClr val="accent1"/>
+          </a:effectRef>
+          <a:fontRef idx="minor">
+            <a:schemeClr val="lt1"/>
+          </a:fontRef>
+        </p:style>
+        <p:txBody>
+          <a:bodyPr rtlCol="0" anchor="ctr"/>
+          <a:lstStyle/>
+          <a:p>
+            <a:pPr algn="ctr"/>
+            <a:r>
+              <a:rPr lang="en-US" sz="800" dirty="0">
+                <a:solidFill>
+                  <a:schemeClr val="tx1">
+                    <a:lumMod val="75000"/>
+                    <a:lumOff val="25000"/>
+                  </a:schemeClr>
+                </a:solidFill>
+                <a:latin typeface="Calibri Light" panose="020F0302020204030204" pitchFamily="34" charset="0"/>
+                <a:cs typeface="Calibri Light" panose="020F0302020204030204" pitchFamily="34" charset="0"/>
+              </a:rPr>
+              <a:t>over Optuna’s trials</a:t>
+            </a:r>
+            <a:endParaRPr lang="en-GB" sz="800" dirty="0">
+              <a:solidFill>
+                <a:schemeClr val="tx1">
+                  <a:lumMod val="75000"/>
+                  <a:lumOff val="25000"/>
+                </a:schemeClr>
+              </a:solidFill>
+              <a:latin typeface="Calibri Light" panose="020F0302020204030204" pitchFamily="34" charset="0"/>
+              <a:cs typeface="Calibri Light" panose="020F0302020204030204" pitchFamily="34" charset="0"/>
+            </a:endParaRPr>
+          </a:p>
+        </p:txBody>
+      </p:sp>
+      <p:sp>
+        <p:nvSpPr>
+          <p:cNvPr id="21" name="Rectangle 20">
+            <a:extLst>
+              <a:ext uri="{FF2B5EF4-FFF2-40B4-BE49-F238E27FC236}">
+                <a16:creationId xmlns:a16="http://schemas.microsoft.com/office/drawing/2014/main" id="{610BB3CF-A785-5AF4-E1BD-89ACDCF1093E}"/>
+              </a:ext>
+            </a:extLst>
+          </p:cNvPr>
+          <p:cNvSpPr/>
+          <p:nvPr/>
+        </p:nvSpPr>
+        <p:spPr>
+          <a:xfrm>
+            <a:off x="1206191" y="411277"/>
+            <a:ext cx="2083938" cy="328339"/>
+          </a:xfrm>
+          <a:prstGeom prst="rect">
+            <a:avLst/>
+          </a:prstGeom>
+          <a:noFill/>
+          <a:ln w="3175">
+            <a:solidFill>
+              <a:schemeClr val="bg1">
+                <a:lumMod val="85000"/>
+              </a:schemeClr>
+            </a:solidFill>
+          </a:ln>
+        </p:spPr>
+        <p:style>
+          <a:lnRef idx="2">
+            <a:schemeClr val="accent1">
+              <a:shade val="15000"/>
+            </a:schemeClr>
+          </a:lnRef>
+          <a:fillRef idx="1">
+            <a:schemeClr val="accent1"/>
+          </a:fillRef>
+          <a:effectRef idx="0">
+            <a:schemeClr val="accent1"/>
+          </a:effectRef>
+          <a:fontRef idx="minor">
+            <a:schemeClr val="lt1"/>
+          </a:fontRef>
+        </p:style>
+        <p:txBody>
+          <a:bodyPr rtlCol="0" anchor="ctr"/>
+          <a:lstStyle/>
+          <a:p>
+            <a:pPr algn="ctr"/>
+            <a:endParaRPr lang="en-GB"/>
+          </a:p>
+        </p:txBody>
+      </p:sp>
+      <p:sp>
+        <p:nvSpPr>
+          <p:cNvPr id="22" name="Rectangle 21">
+            <a:extLst>
+              <a:ext uri="{FF2B5EF4-FFF2-40B4-BE49-F238E27FC236}">
+                <a16:creationId xmlns:a16="http://schemas.microsoft.com/office/drawing/2014/main" id="{AB6C9926-935B-0638-70DC-0EB16DC80245}"/>
+              </a:ext>
+            </a:extLst>
+          </p:cNvPr>
+          <p:cNvSpPr/>
+          <p:nvPr/>
+        </p:nvSpPr>
+        <p:spPr>
+          <a:xfrm>
+            <a:off x="1252206" y="464603"/>
+            <a:ext cx="589841" cy="136427"/>
+          </a:xfrm>
+          <a:prstGeom prst="rect">
+            <a:avLst/>
+          </a:prstGeom>
+          <a:solidFill>
+            <a:srgbClr val="FF0066"/>
+          </a:solidFill>
+          <a:ln>
+            <a:noFill/>
+          </a:ln>
+        </p:spPr>
+        <p:style>
+          <a:lnRef idx="2">
+            <a:schemeClr val="accent1">
+              <a:shade val="15000"/>
+            </a:schemeClr>
+          </a:lnRef>
+          <a:fillRef idx="1">
+            <a:schemeClr val="accent1"/>
+          </a:fillRef>
+          <a:effectRef idx="0">
+            <a:schemeClr val="accent1"/>
+          </a:effectRef>
+          <a:fontRef idx="minor">
+            <a:schemeClr val="lt1"/>
+          </a:fontRef>
+        </p:style>
+        <p:txBody>
+          <a:bodyPr rtlCol="0" anchor="ctr"/>
+          <a:lstStyle/>
+          <a:p>
+            <a:pPr algn="ctr"/>
+            <a:endParaRPr lang="en-GB"/>
+          </a:p>
+        </p:txBody>
+      </p:sp>
+      <p:cxnSp>
+        <p:nvCxnSpPr>
+          <p:cNvPr id="23" name="Straight Connector 22">
+            <a:extLst>
+              <a:ext uri="{FF2B5EF4-FFF2-40B4-BE49-F238E27FC236}">
+                <a16:creationId xmlns:a16="http://schemas.microsoft.com/office/drawing/2014/main" id="{45E599F1-F016-F479-538B-BC35C75C0874}"/>
+              </a:ext>
+            </a:extLst>
+          </p:cNvPr>
+          <p:cNvCxnSpPr>
+            <a:cxnSpLocks/>
+          </p:cNvCxnSpPr>
+          <p:nvPr/>
+        </p:nvCxnSpPr>
+        <p:spPr>
+          <a:xfrm>
+            <a:off x="1528257" y="532816"/>
+            <a:ext cx="720000" cy="0"/>
+          </a:xfrm>
+          <a:prstGeom prst="line">
+            <a:avLst/>
+          </a:prstGeom>
+          <a:ln w="12700">
+            <a:solidFill>
+              <a:schemeClr val="tx1">
+                <a:lumMod val="75000"/>
+                <a:lumOff val="25000"/>
+              </a:schemeClr>
+            </a:solidFill>
+          </a:ln>
+        </p:spPr>
+        <p:style>
+          <a:lnRef idx="2">
+            <a:schemeClr val="accent1"/>
+          </a:lnRef>
+          <a:fillRef idx="0">
+            <a:schemeClr val="accent1"/>
+          </a:fillRef>
+          <a:effectRef idx="1">
+            <a:schemeClr val="accent1"/>
+          </a:effectRef>
+          <a:fontRef idx="minor">
+            <a:schemeClr val="tx1"/>
+          </a:fontRef>
+        </p:style>
+      </p:cxnSp>
+      <p:cxnSp>
+        <p:nvCxnSpPr>
+          <p:cNvPr id="27" name="Straight Connector 26">
+            <a:extLst>
+              <a:ext uri="{FF2B5EF4-FFF2-40B4-BE49-F238E27FC236}">
+                <a16:creationId xmlns:a16="http://schemas.microsoft.com/office/drawing/2014/main" id="{A641AD26-AF47-2290-24F8-0F768A5BE743}"/>
+              </a:ext>
+            </a:extLst>
+          </p:cNvPr>
+          <p:cNvCxnSpPr>
+            <a:cxnSpLocks/>
+          </p:cNvCxnSpPr>
+          <p:nvPr/>
+        </p:nvCxnSpPr>
+        <p:spPr>
+          <a:xfrm rot="5400000">
+            <a:off x="2212633" y="532816"/>
+            <a:ext cx="90000" cy="0"/>
+          </a:xfrm>
+          <a:prstGeom prst="line">
+            <a:avLst/>
+          </a:prstGeom>
+          <a:ln w="12700">
+            <a:solidFill>
+              <a:schemeClr val="tx1">
+                <a:lumMod val="75000"/>
+                <a:lumOff val="25000"/>
+              </a:schemeClr>
+            </a:solidFill>
+          </a:ln>
+        </p:spPr>
+        <p:style>
+          <a:lnRef idx="2">
+            <a:schemeClr val="accent1"/>
+          </a:lnRef>
+          <a:fillRef idx="0">
+            <a:schemeClr val="accent1"/>
+          </a:fillRef>
+          <a:effectRef idx="1">
+            <a:schemeClr val="accent1"/>
+          </a:effectRef>
+          <a:fontRef idx="minor">
+            <a:schemeClr val="tx1"/>
+          </a:fontRef>
+        </p:style>
+      </p:cxnSp>
+      <p:cxnSp>
+        <p:nvCxnSpPr>
+          <p:cNvPr id="28" name="Straight Connector 27">
+            <a:extLst>
+              <a:ext uri="{FF2B5EF4-FFF2-40B4-BE49-F238E27FC236}">
+                <a16:creationId xmlns:a16="http://schemas.microsoft.com/office/drawing/2014/main" id="{26F9B194-14DC-7E9E-EE9B-3819B6A5AF2C}"/>
+              </a:ext>
+            </a:extLst>
+          </p:cNvPr>
+          <p:cNvCxnSpPr>
+            <a:cxnSpLocks/>
+          </p:cNvCxnSpPr>
+          <p:nvPr/>
+        </p:nvCxnSpPr>
+        <p:spPr>
+          <a:xfrm rot="5400000">
+            <a:off x="1483257" y="532816"/>
+            <a:ext cx="90000" cy="0"/>
+          </a:xfrm>
+          <a:prstGeom prst="line">
+            <a:avLst/>
+          </a:prstGeom>
+          <a:ln w="12700">
+            <a:solidFill>
+              <a:schemeClr val="tx1">
+                <a:lumMod val="75000"/>
+                <a:lumOff val="25000"/>
+              </a:schemeClr>
+            </a:solidFill>
+          </a:ln>
+        </p:spPr>
+        <p:style>
+          <a:lnRef idx="2">
+            <a:schemeClr val="accent1"/>
+          </a:lnRef>
+          <a:fillRef idx="0">
+            <a:schemeClr val="accent1"/>
+          </a:fillRef>
+          <a:effectRef idx="1">
+            <a:schemeClr val="accent1"/>
+          </a:effectRef>
+          <a:fontRef idx="minor">
+            <a:schemeClr val="tx1"/>
+          </a:fontRef>
+        </p:style>
+      </p:cxnSp>
+      <p:sp>
+        <p:nvSpPr>
+          <p:cNvPr id="29" name="Rectangle 28">
+            <a:extLst>
+              <a:ext uri="{FF2B5EF4-FFF2-40B4-BE49-F238E27FC236}">
+                <a16:creationId xmlns:a16="http://schemas.microsoft.com/office/drawing/2014/main" id="{39B1D637-8BF7-0716-6E6C-BC3351738D81}"/>
+              </a:ext>
+            </a:extLst>
+          </p:cNvPr>
+          <p:cNvSpPr/>
+          <p:nvPr/>
+        </p:nvSpPr>
+        <p:spPr>
+          <a:xfrm>
+            <a:off x="1281075" y="535468"/>
+            <a:ext cx="493980" cy="255919"/>
+          </a:xfrm>
+          <a:prstGeom prst="rect">
+            <a:avLst/>
+          </a:prstGeom>
+          <a:noFill/>
+          <a:ln w="3175">
+            <a:noFill/>
+          </a:ln>
+        </p:spPr>
+        <p:style>
+          <a:lnRef idx="2">
+            <a:schemeClr val="accent1">
+              <a:shade val="15000"/>
+            </a:schemeClr>
+          </a:lnRef>
+          <a:fillRef idx="1">
+            <a:schemeClr val="accent1"/>
+          </a:fillRef>
+          <a:effectRef idx="0">
+            <a:schemeClr val="accent1"/>
+          </a:effectRef>
+          <a:fontRef idx="minor">
+            <a:schemeClr val="lt1"/>
+          </a:fontRef>
+        </p:style>
+        <p:txBody>
+          <a:bodyPr rtlCol="0" anchor="ctr"/>
+          <a:lstStyle/>
+          <a:p>
+            <a:pPr algn="ctr"/>
+            <a:r>
+              <a:rPr lang="en-US" sz="800" dirty="0">
+                <a:solidFill>
+                  <a:schemeClr val="tx1">
+                    <a:lumMod val="75000"/>
+                    <a:lumOff val="25000"/>
+                  </a:schemeClr>
+                </a:solidFill>
+                <a:latin typeface="Calibri Light" panose="020F0302020204030204" pitchFamily="34" charset="0"/>
+                <a:cs typeface="Calibri Light" panose="020F0302020204030204" pitchFamily="34" charset="0"/>
+              </a:rPr>
+              <a:t>min</a:t>
+            </a:r>
+            <a:endParaRPr lang="en-GB" sz="800" dirty="0">
+              <a:solidFill>
+                <a:schemeClr val="tx1">
+                  <a:lumMod val="75000"/>
+                  <a:lumOff val="25000"/>
+                </a:schemeClr>
+              </a:solidFill>
+              <a:latin typeface="Calibri Light" panose="020F0302020204030204" pitchFamily="34" charset="0"/>
+              <a:cs typeface="Calibri Light" panose="020F0302020204030204" pitchFamily="34" charset="0"/>
+            </a:endParaRPr>
+          </a:p>
+        </p:txBody>
+      </p:sp>
+      <p:sp>
+        <p:nvSpPr>
+          <p:cNvPr id="30" name="Rectangle 29">
+            <a:extLst>
+              <a:ext uri="{FF2B5EF4-FFF2-40B4-BE49-F238E27FC236}">
+                <a16:creationId xmlns:a16="http://schemas.microsoft.com/office/drawing/2014/main" id="{5FB252D2-394F-461C-1FBE-F1C66129CA46}"/>
+              </a:ext>
+            </a:extLst>
+          </p:cNvPr>
+          <p:cNvSpPr/>
+          <p:nvPr/>
+        </p:nvSpPr>
+        <p:spPr>
+          <a:xfrm>
+            <a:off x="2010205" y="535468"/>
+            <a:ext cx="493980" cy="255919"/>
+          </a:xfrm>
+          <a:prstGeom prst="rect">
+            <a:avLst/>
+          </a:prstGeom>
+          <a:noFill/>
+          <a:ln w="3175">
+            <a:noFill/>
+          </a:ln>
+        </p:spPr>
+        <p:style>
+          <a:lnRef idx="2">
+            <a:schemeClr val="accent1">
+              <a:shade val="15000"/>
+            </a:schemeClr>
+          </a:lnRef>
+          <a:fillRef idx="1">
+            <a:schemeClr val="accent1"/>
+          </a:fillRef>
+          <a:effectRef idx="0">
+            <a:schemeClr val="accent1"/>
+          </a:effectRef>
+          <a:fontRef idx="minor">
+            <a:schemeClr val="lt1"/>
+          </a:fontRef>
+        </p:style>
+        <p:txBody>
+          <a:bodyPr rtlCol="0" anchor="ctr"/>
+          <a:lstStyle/>
+          <a:p>
+            <a:pPr algn="ctr"/>
+            <a:r>
+              <a:rPr lang="en-US" sz="800" dirty="0">
+                <a:solidFill>
+                  <a:schemeClr val="tx1">
+                    <a:lumMod val="75000"/>
+                    <a:lumOff val="25000"/>
+                  </a:schemeClr>
+                </a:solidFill>
+                <a:latin typeface="Calibri Light" panose="020F0302020204030204" pitchFamily="34" charset="0"/>
+                <a:cs typeface="Calibri Light" panose="020F0302020204030204" pitchFamily="34" charset="0"/>
+              </a:rPr>
+              <a:t>max</a:t>
+            </a:r>
+            <a:endParaRPr lang="en-GB" sz="800" dirty="0">
+              <a:solidFill>
+                <a:schemeClr val="tx1">
+                  <a:lumMod val="75000"/>
+                  <a:lumOff val="25000"/>
+                </a:schemeClr>
+              </a:solidFill>
+              <a:latin typeface="Calibri Light" panose="020F0302020204030204" pitchFamily="34" charset="0"/>
+              <a:cs typeface="Calibri Light" panose="020F0302020204030204" pitchFamily="34" charset="0"/>
             </a:endParaRPr>
           </a:p>
         </p:txBody>
